--- a/ppt 16-9/1407.我们既有这等.pptx
+++ b/ppt 16-9/1407.我们既有这等.pptx
@@ -5,7 +5,7 @@
     <p:sldMasterId id="2147483648" r:id="rId1"/>
   </p:sldMasterIdLst>
   <p:sldIdLst>
-    <p:sldId id="978" r:id="rId2"/>
+    <p:sldId id="979" r:id="rId2"/>
   </p:sldIdLst>
   <p:sldSz cx="12192000" cy="6858000"/>
   <p:notesSz cx="6858000" cy="9144000"/>
@@ -129,7 +129,7 @@
           <p:cNvPr id="2" name="标题 1">
             <a:extLst>
               <a:ext uri="{FF2B5EF4-FFF2-40B4-BE49-F238E27FC236}">
-                <a16:creationId xmlns:a16="http://schemas.microsoft.com/office/drawing/2014/main" id="{0F948774-EAA1-D276-554B-E86980A2BCC2}"/>
+                <a16:creationId xmlns:a16="http://schemas.microsoft.com/office/drawing/2014/main" id="{287EB21C-7071-9CEA-B5F2-E1872449B59D}"/>
               </a:ext>
             </a:extLst>
           </p:cNvPr>
@@ -166,7 +166,7 @@
           <p:cNvPr id="3" name="副标题 2">
             <a:extLst>
               <a:ext uri="{FF2B5EF4-FFF2-40B4-BE49-F238E27FC236}">
-                <a16:creationId xmlns:a16="http://schemas.microsoft.com/office/drawing/2014/main" id="{B36FD739-37BB-68E9-5B37-4B1BCF1DF902}"/>
+                <a16:creationId xmlns:a16="http://schemas.microsoft.com/office/drawing/2014/main" id="{077B395A-7BF3-2DF2-19BF-5AA3C3BD42B0}"/>
               </a:ext>
             </a:extLst>
           </p:cNvPr>
@@ -236,7 +236,7 @@
           <p:cNvPr id="4" name="日期占位符 3">
             <a:extLst>
               <a:ext uri="{FF2B5EF4-FFF2-40B4-BE49-F238E27FC236}">
-                <a16:creationId xmlns:a16="http://schemas.microsoft.com/office/drawing/2014/main" id="{7E1692A8-2C31-C4B7-6974-5D852CD904CA}"/>
+                <a16:creationId xmlns:a16="http://schemas.microsoft.com/office/drawing/2014/main" id="{EBB9B615-21B4-BF11-AE0C-DE65685B0AF6}"/>
               </a:ext>
             </a:extLst>
           </p:cNvPr>
@@ -252,7 +252,7 @@
           <a:bodyPr/>
           <a:lstStyle/>
           <a:p>
-            <a:fld id="{7E72D278-FFE9-4D76-9F23-E385142DA26E}" type="datetimeFigureOut">
+            <a:fld id="{B055D1BE-0BC7-426C-9F9F-55682948617E}" type="datetimeFigureOut">
               <a:rPr lang="zh-CN" altLang="en-US" smtClean="0"/>
               <a:t>2024/3/10</a:t>
             </a:fld>
@@ -265,7 +265,7 @@
           <p:cNvPr id="5" name="页脚占位符 4">
             <a:extLst>
               <a:ext uri="{FF2B5EF4-FFF2-40B4-BE49-F238E27FC236}">
-                <a16:creationId xmlns:a16="http://schemas.microsoft.com/office/drawing/2014/main" id="{8EC3F7BA-E4E9-8E14-CA66-B9A0CEFAC5F3}"/>
+                <a16:creationId xmlns:a16="http://schemas.microsoft.com/office/drawing/2014/main" id="{9C0829A5-6477-D5D3-9628-1B78F860512D}"/>
               </a:ext>
             </a:extLst>
           </p:cNvPr>
@@ -290,7 +290,7 @@
           <p:cNvPr id="6" name="灯片编号占位符 5">
             <a:extLst>
               <a:ext uri="{FF2B5EF4-FFF2-40B4-BE49-F238E27FC236}">
-                <a16:creationId xmlns:a16="http://schemas.microsoft.com/office/drawing/2014/main" id="{A26C00D8-6705-5D02-700C-87F4A41DFA54}"/>
+                <a16:creationId xmlns:a16="http://schemas.microsoft.com/office/drawing/2014/main" id="{092D5AEB-9262-0C6D-8172-BA086ED660F1}"/>
               </a:ext>
             </a:extLst>
           </p:cNvPr>
@@ -306,7 +306,7 @@
           <a:bodyPr/>
           <a:lstStyle/>
           <a:p>
-            <a:fld id="{B772A885-BE7A-4D83-AE71-C38A6A391D57}" type="slidenum">
+            <a:fld id="{6D8FBB59-6C65-4CC3-A589-3F6DCB8E5C71}" type="slidenum">
               <a:rPr lang="zh-CN" altLang="en-US" smtClean="0"/>
               <a:t>‹#›</a:t>
             </a:fld>
@@ -317,7 +317,7 @@
     </p:spTree>
     <p:extLst>
       <p:ext uri="{BB962C8B-B14F-4D97-AF65-F5344CB8AC3E}">
-        <p14:creationId xmlns:p14="http://schemas.microsoft.com/office/powerpoint/2010/main" val="3297258317"/>
+        <p14:creationId xmlns:p14="http://schemas.microsoft.com/office/powerpoint/2010/main" val="629384169"/>
       </p:ext>
     </p:extLst>
   </p:cSld>
@@ -349,7 +349,7 @@
           <p:cNvPr id="2" name="标题 1">
             <a:extLst>
               <a:ext uri="{FF2B5EF4-FFF2-40B4-BE49-F238E27FC236}">
-                <a16:creationId xmlns:a16="http://schemas.microsoft.com/office/drawing/2014/main" id="{C4252D0C-87AF-3567-BFDA-FD9BD595E4E6}"/>
+                <a16:creationId xmlns:a16="http://schemas.microsoft.com/office/drawing/2014/main" id="{71E84998-15DF-D109-81AB-655D4A65EBA7}"/>
               </a:ext>
             </a:extLst>
           </p:cNvPr>
@@ -377,7 +377,7 @@
           <p:cNvPr id="3" name="竖排文字占位符 2">
             <a:extLst>
               <a:ext uri="{FF2B5EF4-FFF2-40B4-BE49-F238E27FC236}">
-                <a16:creationId xmlns:a16="http://schemas.microsoft.com/office/drawing/2014/main" id="{39D89A29-499D-4B01-53D1-C5D64DA067A7}"/>
+                <a16:creationId xmlns:a16="http://schemas.microsoft.com/office/drawing/2014/main" id="{072BAA7B-D6BA-5D81-55A2-EB60DB3A6E26}"/>
               </a:ext>
             </a:extLst>
           </p:cNvPr>
@@ -434,7 +434,7 @@
           <p:cNvPr id="4" name="日期占位符 3">
             <a:extLst>
               <a:ext uri="{FF2B5EF4-FFF2-40B4-BE49-F238E27FC236}">
-                <a16:creationId xmlns:a16="http://schemas.microsoft.com/office/drawing/2014/main" id="{4AA5E26B-FF06-970D-8843-485725681414}"/>
+                <a16:creationId xmlns:a16="http://schemas.microsoft.com/office/drawing/2014/main" id="{92D0CB7E-C4F4-F5BD-D271-E886B04AC6B5}"/>
               </a:ext>
             </a:extLst>
           </p:cNvPr>
@@ -450,7 +450,7 @@
           <a:bodyPr/>
           <a:lstStyle/>
           <a:p>
-            <a:fld id="{7E72D278-FFE9-4D76-9F23-E385142DA26E}" type="datetimeFigureOut">
+            <a:fld id="{B055D1BE-0BC7-426C-9F9F-55682948617E}" type="datetimeFigureOut">
               <a:rPr lang="zh-CN" altLang="en-US" smtClean="0"/>
               <a:t>2024/3/10</a:t>
             </a:fld>
@@ -463,7 +463,7 @@
           <p:cNvPr id="5" name="页脚占位符 4">
             <a:extLst>
               <a:ext uri="{FF2B5EF4-FFF2-40B4-BE49-F238E27FC236}">
-                <a16:creationId xmlns:a16="http://schemas.microsoft.com/office/drawing/2014/main" id="{644D3D8B-3FFD-835C-16A3-3103006D2F4B}"/>
+                <a16:creationId xmlns:a16="http://schemas.microsoft.com/office/drawing/2014/main" id="{56FE12E6-1B13-BF22-A6DD-85A24FB319B1}"/>
               </a:ext>
             </a:extLst>
           </p:cNvPr>
@@ -488,7 +488,7 @@
           <p:cNvPr id="6" name="灯片编号占位符 5">
             <a:extLst>
               <a:ext uri="{FF2B5EF4-FFF2-40B4-BE49-F238E27FC236}">
-                <a16:creationId xmlns:a16="http://schemas.microsoft.com/office/drawing/2014/main" id="{697DB73F-FA15-D156-0683-8EAC6CECCCBD}"/>
+                <a16:creationId xmlns:a16="http://schemas.microsoft.com/office/drawing/2014/main" id="{F8B15ADF-6CE5-A1A1-D0C2-F81A0E9AB04B}"/>
               </a:ext>
             </a:extLst>
           </p:cNvPr>
@@ -504,7 +504,7 @@
           <a:bodyPr/>
           <a:lstStyle/>
           <a:p>
-            <a:fld id="{B772A885-BE7A-4D83-AE71-C38A6A391D57}" type="slidenum">
+            <a:fld id="{6D8FBB59-6C65-4CC3-A589-3F6DCB8E5C71}" type="slidenum">
               <a:rPr lang="zh-CN" altLang="en-US" smtClean="0"/>
               <a:t>‹#›</a:t>
             </a:fld>
@@ -515,7 +515,7 @@
     </p:spTree>
     <p:extLst>
       <p:ext uri="{BB962C8B-B14F-4D97-AF65-F5344CB8AC3E}">
-        <p14:creationId xmlns:p14="http://schemas.microsoft.com/office/powerpoint/2010/main" val="2856825607"/>
+        <p14:creationId xmlns:p14="http://schemas.microsoft.com/office/powerpoint/2010/main" val="3620761579"/>
       </p:ext>
     </p:extLst>
   </p:cSld>
@@ -547,7 +547,7 @@
           <p:cNvPr id="2" name="竖排标题 1">
             <a:extLst>
               <a:ext uri="{FF2B5EF4-FFF2-40B4-BE49-F238E27FC236}">
-                <a16:creationId xmlns:a16="http://schemas.microsoft.com/office/drawing/2014/main" id="{EF05404F-7119-1156-D07B-7C3D0FF8D266}"/>
+                <a16:creationId xmlns:a16="http://schemas.microsoft.com/office/drawing/2014/main" id="{012D45AD-E945-7B28-DDCA-2BDFC5B2F62A}"/>
               </a:ext>
             </a:extLst>
           </p:cNvPr>
@@ -580,7 +580,7 @@
           <p:cNvPr id="3" name="竖排文字占位符 2">
             <a:extLst>
               <a:ext uri="{FF2B5EF4-FFF2-40B4-BE49-F238E27FC236}">
-                <a16:creationId xmlns:a16="http://schemas.microsoft.com/office/drawing/2014/main" id="{BCBFE6F8-C16A-73AB-5BA5-F00E1EDEB021}"/>
+                <a16:creationId xmlns:a16="http://schemas.microsoft.com/office/drawing/2014/main" id="{ACE35020-1928-B3FB-9A72-37FCA0DD8D4D}"/>
               </a:ext>
             </a:extLst>
           </p:cNvPr>
@@ -642,7 +642,7 @@
           <p:cNvPr id="4" name="日期占位符 3">
             <a:extLst>
               <a:ext uri="{FF2B5EF4-FFF2-40B4-BE49-F238E27FC236}">
-                <a16:creationId xmlns:a16="http://schemas.microsoft.com/office/drawing/2014/main" id="{42BD4C9E-071D-9DE9-935F-2A969A09B57E}"/>
+                <a16:creationId xmlns:a16="http://schemas.microsoft.com/office/drawing/2014/main" id="{26F2A762-59EA-E4FD-FFD1-70B6DD3F671B}"/>
               </a:ext>
             </a:extLst>
           </p:cNvPr>
@@ -658,7 +658,7 @@
           <a:bodyPr/>
           <a:lstStyle/>
           <a:p>
-            <a:fld id="{7E72D278-FFE9-4D76-9F23-E385142DA26E}" type="datetimeFigureOut">
+            <a:fld id="{B055D1BE-0BC7-426C-9F9F-55682948617E}" type="datetimeFigureOut">
               <a:rPr lang="zh-CN" altLang="en-US" smtClean="0"/>
               <a:t>2024/3/10</a:t>
             </a:fld>
@@ -671,7 +671,7 @@
           <p:cNvPr id="5" name="页脚占位符 4">
             <a:extLst>
               <a:ext uri="{FF2B5EF4-FFF2-40B4-BE49-F238E27FC236}">
-                <a16:creationId xmlns:a16="http://schemas.microsoft.com/office/drawing/2014/main" id="{0B4AB5E3-7805-92BA-68ED-53EE2417A39C}"/>
+                <a16:creationId xmlns:a16="http://schemas.microsoft.com/office/drawing/2014/main" id="{687050D8-DE68-2A0B-A458-DEDB671C7AE4}"/>
               </a:ext>
             </a:extLst>
           </p:cNvPr>
@@ -696,7 +696,7 @@
           <p:cNvPr id="6" name="灯片编号占位符 5">
             <a:extLst>
               <a:ext uri="{FF2B5EF4-FFF2-40B4-BE49-F238E27FC236}">
-                <a16:creationId xmlns:a16="http://schemas.microsoft.com/office/drawing/2014/main" id="{577B6770-99A4-9AD9-0D34-9FB68CEBED6F}"/>
+                <a16:creationId xmlns:a16="http://schemas.microsoft.com/office/drawing/2014/main" id="{C8A8509D-2727-E15B-439E-C9FBFFF9C06E}"/>
               </a:ext>
             </a:extLst>
           </p:cNvPr>
@@ -712,7 +712,7 @@
           <a:bodyPr/>
           <a:lstStyle/>
           <a:p>
-            <a:fld id="{B772A885-BE7A-4D83-AE71-C38A6A391D57}" type="slidenum">
+            <a:fld id="{6D8FBB59-6C65-4CC3-A589-3F6DCB8E5C71}" type="slidenum">
               <a:rPr lang="zh-CN" altLang="en-US" smtClean="0"/>
               <a:t>‹#›</a:t>
             </a:fld>
@@ -723,7 +723,7 @@
     </p:spTree>
     <p:extLst>
       <p:ext uri="{BB962C8B-B14F-4D97-AF65-F5344CB8AC3E}">
-        <p14:creationId xmlns:p14="http://schemas.microsoft.com/office/powerpoint/2010/main" val="30254041"/>
+        <p14:creationId xmlns:p14="http://schemas.microsoft.com/office/powerpoint/2010/main" val="1885759331"/>
       </p:ext>
     </p:extLst>
   </p:cSld>
@@ -755,7 +755,7 @@
           <p:cNvPr id="2" name="标题 1">
             <a:extLst>
               <a:ext uri="{FF2B5EF4-FFF2-40B4-BE49-F238E27FC236}">
-                <a16:creationId xmlns:a16="http://schemas.microsoft.com/office/drawing/2014/main" id="{45AA2F63-B0E9-7619-C5A5-72809A2721C1}"/>
+                <a16:creationId xmlns:a16="http://schemas.microsoft.com/office/drawing/2014/main" id="{2D9B1825-807E-4338-D1DF-DDE3E7768E80}"/>
               </a:ext>
             </a:extLst>
           </p:cNvPr>
@@ -783,7 +783,7 @@
           <p:cNvPr id="3" name="内容占位符 2">
             <a:extLst>
               <a:ext uri="{FF2B5EF4-FFF2-40B4-BE49-F238E27FC236}">
-                <a16:creationId xmlns:a16="http://schemas.microsoft.com/office/drawing/2014/main" id="{08FA924D-E576-FEEF-0FA3-5C39B986D47B}"/>
+                <a16:creationId xmlns:a16="http://schemas.microsoft.com/office/drawing/2014/main" id="{C9AC8B3E-A780-39AC-CEF9-DA4A897178E4}"/>
               </a:ext>
             </a:extLst>
           </p:cNvPr>
@@ -840,7 +840,7 @@
           <p:cNvPr id="4" name="日期占位符 3">
             <a:extLst>
               <a:ext uri="{FF2B5EF4-FFF2-40B4-BE49-F238E27FC236}">
-                <a16:creationId xmlns:a16="http://schemas.microsoft.com/office/drawing/2014/main" id="{10A6E87A-FC2B-771C-73F7-C2072B3AAF60}"/>
+                <a16:creationId xmlns:a16="http://schemas.microsoft.com/office/drawing/2014/main" id="{B32C17DB-D19E-E721-7599-DE5DE4FD17BB}"/>
               </a:ext>
             </a:extLst>
           </p:cNvPr>
@@ -856,7 +856,7 @@
           <a:bodyPr/>
           <a:lstStyle/>
           <a:p>
-            <a:fld id="{7E72D278-FFE9-4D76-9F23-E385142DA26E}" type="datetimeFigureOut">
+            <a:fld id="{B055D1BE-0BC7-426C-9F9F-55682948617E}" type="datetimeFigureOut">
               <a:rPr lang="zh-CN" altLang="en-US" smtClean="0"/>
               <a:t>2024/3/10</a:t>
             </a:fld>
@@ -869,7 +869,7 @@
           <p:cNvPr id="5" name="页脚占位符 4">
             <a:extLst>
               <a:ext uri="{FF2B5EF4-FFF2-40B4-BE49-F238E27FC236}">
-                <a16:creationId xmlns:a16="http://schemas.microsoft.com/office/drawing/2014/main" id="{7826B1BD-4D8D-63C3-5D83-474796A5D1C1}"/>
+                <a16:creationId xmlns:a16="http://schemas.microsoft.com/office/drawing/2014/main" id="{764D86BB-B235-4DAB-E6F0-F0FF858BD39A}"/>
               </a:ext>
             </a:extLst>
           </p:cNvPr>
@@ -894,7 +894,7 @@
           <p:cNvPr id="6" name="灯片编号占位符 5">
             <a:extLst>
               <a:ext uri="{FF2B5EF4-FFF2-40B4-BE49-F238E27FC236}">
-                <a16:creationId xmlns:a16="http://schemas.microsoft.com/office/drawing/2014/main" id="{A0E6350C-A4DB-D659-AB95-DB81583FFD84}"/>
+                <a16:creationId xmlns:a16="http://schemas.microsoft.com/office/drawing/2014/main" id="{70915443-BDBA-6626-8C1C-9B7F3443CB19}"/>
               </a:ext>
             </a:extLst>
           </p:cNvPr>
@@ -910,7 +910,7 @@
           <a:bodyPr/>
           <a:lstStyle/>
           <a:p>
-            <a:fld id="{B772A885-BE7A-4D83-AE71-C38A6A391D57}" type="slidenum">
+            <a:fld id="{6D8FBB59-6C65-4CC3-A589-3F6DCB8E5C71}" type="slidenum">
               <a:rPr lang="zh-CN" altLang="en-US" smtClean="0"/>
               <a:t>‹#›</a:t>
             </a:fld>
@@ -921,7 +921,7 @@
     </p:spTree>
     <p:extLst>
       <p:ext uri="{BB962C8B-B14F-4D97-AF65-F5344CB8AC3E}">
-        <p14:creationId xmlns:p14="http://schemas.microsoft.com/office/powerpoint/2010/main" val="2390469748"/>
+        <p14:creationId xmlns:p14="http://schemas.microsoft.com/office/powerpoint/2010/main" val="2206542462"/>
       </p:ext>
     </p:extLst>
   </p:cSld>
@@ -953,7 +953,7 @@
           <p:cNvPr id="2" name="标题 1">
             <a:extLst>
               <a:ext uri="{FF2B5EF4-FFF2-40B4-BE49-F238E27FC236}">
-                <a16:creationId xmlns:a16="http://schemas.microsoft.com/office/drawing/2014/main" id="{E7DF7DC8-649E-93DC-7CFF-16F30644AADE}"/>
+                <a16:creationId xmlns:a16="http://schemas.microsoft.com/office/drawing/2014/main" id="{2D185C0B-5927-3C35-2B0F-6FD5FDE5A387}"/>
               </a:ext>
             </a:extLst>
           </p:cNvPr>
@@ -990,7 +990,7 @@
           <p:cNvPr id="3" name="文本占位符 2">
             <a:extLst>
               <a:ext uri="{FF2B5EF4-FFF2-40B4-BE49-F238E27FC236}">
-                <a16:creationId xmlns:a16="http://schemas.microsoft.com/office/drawing/2014/main" id="{B8CA554D-F0AE-EF35-156D-04BFB376871D}"/>
+                <a16:creationId xmlns:a16="http://schemas.microsoft.com/office/drawing/2014/main" id="{874DB9E7-3900-4391-FF7D-D2675D2EEF60}"/>
               </a:ext>
             </a:extLst>
           </p:cNvPr>
@@ -1115,7 +1115,7 @@
           <p:cNvPr id="4" name="日期占位符 3">
             <a:extLst>
               <a:ext uri="{FF2B5EF4-FFF2-40B4-BE49-F238E27FC236}">
-                <a16:creationId xmlns:a16="http://schemas.microsoft.com/office/drawing/2014/main" id="{8B0E3705-79F0-94E2-8EB4-7E2200C14CD6}"/>
+                <a16:creationId xmlns:a16="http://schemas.microsoft.com/office/drawing/2014/main" id="{7D5E1523-30E7-7FF1-4C9B-DAC8D4911590}"/>
               </a:ext>
             </a:extLst>
           </p:cNvPr>
@@ -1131,7 +1131,7 @@
           <a:bodyPr/>
           <a:lstStyle/>
           <a:p>
-            <a:fld id="{7E72D278-FFE9-4D76-9F23-E385142DA26E}" type="datetimeFigureOut">
+            <a:fld id="{B055D1BE-0BC7-426C-9F9F-55682948617E}" type="datetimeFigureOut">
               <a:rPr lang="zh-CN" altLang="en-US" smtClean="0"/>
               <a:t>2024/3/10</a:t>
             </a:fld>
@@ -1144,7 +1144,7 @@
           <p:cNvPr id="5" name="页脚占位符 4">
             <a:extLst>
               <a:ext uri="{FF2B5EF4-FFF2-40B4-BE49-F238E27FC236}">
-                <a16:creationId xmlns:a16="http://schemas.microsoft.com/office/drawing/2014/main" id="{A226DBCC-E973-B562-B929-EE41C0657B22}"/>
+                <a16:creationId xmlns:a16="http://schemas.microsoft.com/office/drawing/2014/main" id="{46236250-624F-94B7-0C3A-8F95B32E4E29}"/>
               </a:ext>
             </a:extLst>
           </p:cNvPr>
@@ -1169,7 +1169,7 @@
           <p:cNvPr id="6" name="灯片编号占位符 5">
             <a:extLst>
               <a:ext uri="{FF2B5EF4-FFF2-40B4-BE49-F238E27FC236}">
-                <a16:creationId xmlns:a16="http://schemas.microsoft.com/office/drawing/2014/main" id="{537C200E-79E6-01F4-19DB-F3872743A53C}"/>
+                <a16:creationId xmlns:a16="http://schemas.microsoft.com/office/drawing/2014/main" id="{1D44CD14-1EF9-C934-72F8-DD4CD5924DFD}"/>
               </a:ext>
             </a:extLst>
           </p:cNvPr>
@@ -1185,7 +1185,7 @@
           <a:bodyPr/>
           <a:lstStyle/>
           <a:p>
-            <a:fld id="{B772A885-BE7A-4D83-AE71-C38A6A391D57}" type="slidenum">
+            <a:fld id="{6D8FBB59-6C65-4CC3-A589-3F6DCB8E5C71}" type="slidenum">
               <a:rPr lang="zh-CN" altLang="en-US" smtClean="0"/>
               <a:t>‹#›</a:t>
             </a:fld>
@@ -1196,7 +1196,7 @@
     </p:spTree>
     <p:extLst>
       <p:ext uri="{BB962C8B-B14F-4D97-AF65-F5344CB8AC3E}">
-        <p14:creationId xmlns:p14="http://schemas.microsoft.com/office/powerpoint/2010/main" val="1352320454"/>
+        <p14:creationId xmlns:p14="http://schemas.microsoft.com/office/powerpoint/2010/main" val="4147528566"/>
       </p:ext>
     </p:extLst>
   </p:cSld>
@@ -1228,7 +1228,7 @@
           <p:cNvPr id="2" name="标题 1">
             <a:extLst>
               <a:ext uri="{FF2B5EF4-FFF2-40B4-BE49-F238E27FC236}">
-                <a16:creationId xmlns:a16="http://schemas.microsoft.com/office/drawing/2014/main" id="{949376A5-62C9-8E73-D254-8924C70440E9}"/>
+                <a16:creationId xmlns:a16="http://schemas.microsoft.com/office/drawing/2014/main" id="{B10A9CE3-C2FC-78ED-2F86-68552EDC8C0A}"/>
               </a:ext>
             </a:extLst>
           </p:cNvPr>
@@ -1256,7 +1256,7 @@
           <p:cNvPr id="3" name="内容占位符 2">
             <a:extLst>
               <a:ext uri="{FF2B5EF4-FFF2-40B4-BE49-F238E27FC236}">
-                <a16:creationId xmlns:a16="http://schemas.microsoft.com/office/drawing/2014/main" id="{F21C4739-4E9F-214C-1BF9-412334B7E685}"/>
+                <a16:creationId xmlns:a16="http://schemas.microsoft.com/office/drawing/2014/main" id="{CD54FD76-C9DA-9D01-28AD-8C937EAF8493}"/>
               </a:ext>
             </a:extLst>
           </p:cNvPr>
@@ -1318,7 +1318,7 @@
           <p:cNvPr id="4" name="内容占位符 3">
             <a:extLst>
               <a:ext uri="{FF2B5EF4-FFF2-40B4-BE49-F238E27FC236}">
-                <a16:creationId xmlns:a16="http://schemas.microsoft.com/office/drawing/2014/main" id="{223B9283-B7B9-D48C-9B57-DC30F6DDBE1D}"/>
+                <a16:creationId xmlns:a16="http://schemas.microsoft.com/office/drawing/2014/main" id="{941BE132-EF4D-6262-24AA-732C30366534}"/>
               </a:ext>
             </a:extLst>
           </p:cNvPr>
@@ -1380,7 +1380,7 @@
           <p:cNvPr id="5" name="日期占位符 4">
             <a:extLst>
               <a:ext uri="{FF2B5EF4-FFF2-40B4-BE49-F238E27FC236}">
-                <a16:creationId xmlns:a16="http://schemas.microsoft.com/office/drawing/2014/main" id="{F5AD2BF9-3AE0-BD54-28B8-F5C6F48A2EA2}"/>
+                <a16:creationId xmlns:a16="http://schemas.microsoft.com/office/drawing/2014/main" id="{A3D2B6E4-D21D-E694-3976-38F5D8D9801B}"/>
               </a:ext>
             </a:extLst>
           </p:cNvPr>
@@ -1396,7 +1396,7 @@
           <a:bodyPr/>
           <a:lstStyle/>
           <a:p>
-            <a:fld id="{7E72D278-FFE9-4D76-9F23-E385142DA26E}" type="datetimeFigureOut">
+            <a:fld id="{B055D1BE-0BC7-426C-9F9F-55682948617E}" type="datetimeFigureOut">
               <a:rPr lang="zh-CN" altLang="en-US" smtClean="0"/>
               <a:t>2024/3/10</a:t>
             </a:fld>
@@ -1409,7 +1409,7 @@
           <p:cNvPr id="6" name="页脚占位符 5">
             <a:extLst>
               <a:ext uri="{FF2B5EF4-FFF2-40B4-BE49-F238E27FC236}">
-                <a16:creationId xmlns:a16="http://schemas.microsoft.com/office/drawing/2014/main" id="{CA521309-7FD9-0AD0-98A4-6D48BA00062E}"/>
+                <a16:creationId xmlns:a16="http://schemas.microsoft.com/office/drawing/2014/main" id="{6B066D88-C326-BB71-5B53-A647E3B31EA2}"/>
               </a:ext>
             </a:extLst>
           </p:cNvPr>
@@ -1434,7 +1434,7 @@
           <p:cNvPr id="7" name="灯片编号占位符 6">
             <a:extLst>
               <a:ext uri="{FF2B5EF4-FFF2-40B4-BE49-F238E27FC236}">
-                <a16:creationId xmlns:a16="http://schemas.microsoft.com/office/drawing/2014/main" id="{C36ACCCE-CFB5-A067-2B15-7FEEFCFB9D51}"/>
+                <a16:creationId xmlns:a16="http://schemas.microsoft.com/office/drawing/2014/main" id="{4E0FE502-14A5-D74D-0317-8F09960648EF}"/>
               </a:ext>
             </a:extLst>
           </p:cNvPr>
@@ -1450,7 +1450,7 @@
           <a:bodyPr/>
           <a:lstStyle/>
           <a:p>
-            <a:fld id="{B772A885-BE7A-4D83-AE71-C38A6A391D57}" type="slidenum">
+            <a:fld id="{6D8FBB59-6C65-4CC3-A589-3F6DCB8E5C71}" type="slidenum">
               <a:rPr lang="zh-CN" altLang="en-US" smtClean="0"/>
               <a:t>‹#›</a:t>
             </a:fld>
@@ -1461,7 +1461,7 @@
     </p:spTree>
     <p:extLst>
       <p:ext uri="{BB962C8B-B14F-4D97-AF65-F5344CB8AC3E}">
-        <p14:creationId xmlns:p14="http://schemas.microsoft.com/office/powerpoint/2010/main" val="2558558431"/>
+        <p14:creationId xmlns:p14="http://schemas.microsoft.com/office/powerpoint/2010/main" val="1538521945"/>
       </p:ext>
     </p:extLst>
   </p:cSld>
@@ -1493,7 +1493,7 @@
           <p:cNvPr id="2" name="标题 1">
             <a:extLst>
               <a:ext uri="{FF2B5EF4-FFF2-40B4-BE49-F238E27FC236}">
-                <a16:creationId xmlns:a16="http://schemas.microsoft.com/office/drawing/2014/main" id="{E68E3D7D-58D7-22D9-F13C-5E205D1E4202}"/>
+                <a16:creationId xmlns:a16="http://schemas.microsoft.com/office/drawing/2014/main" id="{38BC214D-896C-27E1-5807-30E7E80F7984}"/>
               </a:ext>
             </a:extLst>
           </p:cNvPr>
@@ -1526,7 +1526,7 @@
           <p:cNvPr id="3" name="文本占位符 2">
             <a:extLst>
               <a:ext uri="{FF2B5EF4-FFF2-40B4-BE49-F238E27FC236}">
-                <a16:creationId xmlns:a16="http://schemas.microsoft.com/office/drawing/2014/main" id="{30F8987E-EC7C-12C7-5FB6-81CBA259C529}"/>
+                <a16:creationId xmlns:a16="http://schemas.microsoft.com/office/drawing/2014/main" id="{897F0ABD-AB59-3291-A5EF-22865C53C039}"/>
               </a:ext>
             </a:extLst>
           </p:cNvPr>
@@ -1597,7 +1597,7 @@
           <p:cNvPr id="4" name="内容占位符 3">
             <a:extLst>
               <a:ext uri="{FF2B5EF4-FFF2-40B4-BE49-F238E27FC236}">
-                <a16:creationId xmlns:a16="http://schemas.microsoft.com/office/drawing/2014/main" id="{7C429905-3662-1F0F-B541-5C0448F4F6F5}"/>
+                <a16:creationId xmlns:a16="http://schemas.microsoft.com/office/drawing/2014/main" id="{22AB7B6F-F467-CA8C-A881-556012F47D20}"/>
               </a:ext>
             </a:extLst>
           </p:cNvPr>
@@ -1659,7 +1659,7 @@
           <p:cNvPr id="5" name="文本占位符 4">
             <a:extLst>
               <a:ext uri="{FF2B5EF4-FFF2-40B4-BE49-F238E27FC236}">
-                <a16:creationId xmlns:a16="http://schemas.microsoft.com/office/drawing/2014/main" id="{462FFB3D-745F-27A6-DB72-DBC102A6811A}"/>
+                <a16:creationId xmlns:a16="http://schemas.microsoft.com/office/drawing/2014/main" id="{C5363368-3141-3572-4C53-2F90F1D2B265}"/>
               </a:ext>
             </a:extLst>
           </p:cNvPr>
@@ -1730,7 +1730,7 @@
           <p:cNvPr id="6" name="内容占位符 5">
             <a:extLst>
               <a:ext uri="{FF2B5EF4-FFF2-40B4-BE49-F238E27FC236}">
-                <a16:creationId xmlns:a16="http://schemas.microsoft.com/office/drawing/2014/main" id="{5FC7F678-1A2F-AA21-F828-5C0A11545AF6}"/>
+                <a16:creationId xmlns:a16="http://schemas.microsoft.com/office/drawing/2014/main" id="{065E677B-73CC-E7DD-C2A6-A4A91473A25A}"/>
               </a:ext>
             </a:extLst>
           </p:cNvPr>
@@ -1792,7 +1792,7 @@
           <p:cNvPr id="7" name="日期占位符 6">
             <a:extLst>
               <a:ext uri="{FF2B5EF4-FFF2-40B4-BE49-F238E27FC236}">
-                <a16:creationId xmlns:a16="http://schemas.microsoft.com/office/drawing/2014/main" id="{14817870-A3CA-05E7-996F-715768366ACD}"/>
+                <a16:creationId xmlns:a16="http://schemas.microsoft.com/office/drawing/2014/main" id="{CDAA44D4-8EB4-D8F0-489B-B412E03B3E33}"/>
               </a:ext>
             </a:extLst>
           </p:cNvPr>
@@ -1808,7 +1808,7 @@
           <a:bodyPr/>
           <a:lstStyle/>
           <a:p>
-            <a:fld id="{7E72D278-FFE9-4D76-9F23-E385142DA26E}" type="datetimeFigureOut">
+            <a:fld id="{B055D1BE-0BC7-426C-9F9F-55682948617E}" type="datetimeFigureOut">
               <a:rPr lang="zh-CN" altLang="en-US" smtClean="0"/>
               <a:t>2024/3/10</a:t>
             </a:fld>
@@ -1821,7 +1821,7 @@
           <p:cNvPr id="8" name="页脚占位符 7">
             <a:extLst>
               <a:ext uri="{FF2B5EF4-FFF2-40B4-BE49-F238E27FC236}">
-                <a16:creationId xmlns:a16="http://schemas.microsoft.com/office/drawing/2014/main" id="{37FD686F-31F3-B604-EB5D-00D2C4ABC18D}"/>
+                <a16:creationId xmlns:a16="http://schemas.microsoft.com/office/drawing/2014/main" id="{6FA02EF8-75AB-E943-1CE6-23BC0C19F9D5}"/>
               </a:ext>
             </a:extLst>
           </p:cNvPr>
@@ -1846,7 +1846,7 @@
           <p:cNvPr id="9" name="灯片编号占位符 8">
             <a:extLst>
               <a:ext uri="{FF2B5EF4-FFF2-40B4-BE49-F238E27FC236}">
-                <a16:creationId xmlns:a16="http://schemas.microsoft.com/office/drawing/2014/main" id="{06E3881C-DB5E-0846-BC04-9BE233B60E70}"/>
+                <a16:creationId xmlns:a16="http://schemas.microsoft.com/office/drawing/2014/main" id="{D6E5E26E-5BBE-96A0-3B74-8D04B2DF0E04}"/>
               </a:ext>
             </a:extLst>
           </p:cNvPr>
@@ -1862,7 +1862,7 @@
           <a:bodyPr/>
           <a:lstStyle/>
           <a:p>
-            <a:fld id="{B772A885-BE7A-4D83-AE71-C38A6A391D57}" type="slidenum">
+            <a:fld id="{6D8FBB59-6C65-4CC3-A589-3F6DCB8E5C71}" type="slidenum">
               <a:rPr lang="zh-CN" altLang="en-US" smtClean="0"/>
               <a:t>‹#›</a:t>
             </a:fld>
@@ -1873,7 +1873,7 @@
     </p:spTree>
     <p:extLst>
       <p:ext uri="{BB962C8B-B14F-4D97-AF65-F5344CB8AC3E}">
-        <p14:creationId xmlns:p14="http://schemas.microsoft.com/office/powerpoint/2010/main" val="337016700"/>
+        <p14:creationId xmlns:p14="http://schemas.microsoft.com/office/powerpoint/2010/main" val="1308770490"/>
       </p:ext>
     </p:extLst>
   </p:cSld>
@@ -1905,7 +1905,7 @@
           <p:cNvPr id="2" name="标题 1">
             <a:extLst>
               <a:ext uri="{FF2B5EF4-FFF2-40B4-BE49-F238E27FC236}">
-                <a16:creationId xmlns:a16="http://schemas.microsoft.com/office/drawing/2014/main" id="{E4AF2B40-3F9B-5691-9DD8-51736AF2D23B}"/>
+                <a16:creationId xmlns:a16="http://schemas.microsoft.com/office/drawing/2014/main" id="{C1C9054A-0A90-ECCF-7906-34C3741BE376}"/>
               </a:ext>
             </a:extLst>
           </p:cNvPr>
@@ -1933,7 +1933,7 @@
           <p:cNvPr id="3" name="日期占位符 2">
             <a:extLst>
               <a:ext uri="{FF2B5EF4-FFF2-40B4-BE49-F238E27FC236}">
-                <a16:creationId xmlns:a16="http://schemas.microsoft.com/office/drawing/2014/main" id="{FF34EBEA-ABDB-AC09-DBDD-19A3A18B29CD}"/>
+                <a16:creationId xmlns:a16="http://schemas.microsoft.com/office/drawing/2014/main" id="{AFF860E3-5F7E-5765-6ACF-1053DBC745A5}"/>
               </a:ext>
             </a:extLst>
           </p:cNvPr>
@@ -1949,7 +1949,7 @@
           <a:bodyPr/>
           <a:lstStyle/>
           <a:p>
-            <a:fld id="{7E72D278-FFE9-4D76-9F23-E385142DA26E}" type="datetimeFigureOut">
+            <a:fld id="{B055D1BE-0BC7-426C-9F9F-55682948617E}" type="datetimeFigureOut">
               <a:rPr lang="zh-CN" altLang="en-US" smtClean="0"/>
               <a:t>2024/3/10</a:t>
             </a:fld>
@@ -1962,7 +1962,7 @@
           <p:cNvPr id="4" name="页脚占位符 3">
             <a:extLst>
               <a:ext uri="{FF2B5EF4-FFF2-40B4-BE49-F238E27FC236}">
-                <a16:creationId xmlns:a16="http://schemas.microsoft.com/office/drawing/2014/main" id="{487C0B9D-A37D-6408-DA9B-B5F37C8F13DC}"/>
+                <a16:creationId xmlns:a16="http://schemas.microsoft.com/office/drawing/2014/main" id="{0586A0A3-CA5E-F06E-D181-C61F87808E20}"/>
               </a:ext>
             </a:extLst>
           </p:cNvPr>
@@ -1987,7 +1987,7 @@
           <p:cNvPr id="5" name="灯片编号占位符 4">
             <a:extLst>
               <a:ext uri="{FF2B5EF4-FFF2-40B4-BE49-F238E27FC236}">
-                <a16:creationId xmlns:a16="http://schemas.microsoft.com/office/drawing/2014/main" id="{2826E0DA-3D5E-1577-C17F-3C1339223FDA}"/>
+                <a16:creationId xmlns:a16="http://schemas.microsoft.com/office/drawing/2014/main" id="{6B35C9B7-2E8D-2F27-4756-6BAB0C9B2114}"/>
               </a:ext>
             </a:extLst>
           </p:cNvPr>
@@ -2003,7 +2003,7 @@
           <a:bodyPr/>
           <a:lstStyle/>
           <a:p>
-            <a:fld id="{B772A885-BE7A-4D83-AE71-C38A6A391D57}" type="slidenum">
+            <a:fld id="{6D8FBB59-6C65-4CC3-A589-3F6DCB8E5C71}" type="slidenum">
               <a:rPr lang="zh-CN" altLang="en-US" smtClean="0"/>
               <a:t>‹#›</a:t>
             </a:fld>
@@ -2014,7 +2014,7 @@
     </p:spTree>
     <p:extLst>
       <p:ext uri="{BB962C8B-B14F-4D97-AF65-F5344CB8AC3E}">
-        <p14:creationId xmlns:p14="http://schemas.microsoft.com/office/powerpoint/2010/main" val="634820408"/>
+        <p14:creationId xmlns:p14="http://schemas.microsoft.com/office/powerpoint/2010/main" val="3223680243"/>
       </p:ext>
     </p:extLst>
   </p:cSld>
@@ -2046,7 +2046,7 @@
           <p:cNvPr id="2" name="日期占位符 1">
             <a:extLst>
               <a:ext uri="{FF2B5EF4-FFF2-40B4-BE49-F238E27FC236}">
-                <a16:creationId xmlns:a16="http://schemas.microsoft.com/office/drawing/2014/main" id="{EB2ED8A3-C655-DDE9-10A5-7EEADA797CC4}"/>
+                <a16:creationId xmlns:a16="http://schemas.microsoft.com/office/drawing/2014/main" id="{4EADD2C2-05DE-3977-2BF6-11974B366F3C}"/>
               </a:ext>
             </a:extLst>
           </p:cNvPr>
@@ -2062,7 +2062,7 @@
           <a:bodyPr/>
           <a:lstStyle/>
           <a:p>
-            <a:fld id="{7E72D278-FFE9-4D76-9F23-E385142DA26E}" type="datetimeFigureOut">
+            <a:fld id="{B055D1BE-0BC7-426C-9F9F-55682948617E}" type="datetimeFigureOut">
               <a:rPr lang="zh-CN" altLang="en-US" smtClean="0"/>
               <a:t>2024/3/10</a:t>
             </a:fld>
@@ -2075,7 +2075,7 @@
           <p:cNvPr id="3" name="页脚占位符 2">
             <a:extLst>
               <a:ext uri="{FF2B5EF4-FFF2-40B4-BE49-F238E27FC236}">
-                <a16:creationId xmlns:a16="http://schemas.microsoft.com/office/drawing/2014/main" id="{A6594182-0DC9-670D-5A90-893312328227}"/>
+                <a16:creationId xmlns:a16="http://schemas.microsoft.com/office/drawing/2014/main" id="{8CD080BB-6536-4266-62D3-7A0B0EFD60E6}"/>
               </a:ext>
             </a:extLst>
           </p:cNvPr>
@@ -2100,7 +2100,7 @@
           <p:cNvPr id="4" name="灯片编号占位符 3">
             <a:extLst>
               <a:ext uri="{FF2B5EF4-FFF2-40B4-BE49-F238E27FC236}">
-                <a16:creationId xmlns:a16="http://schemas.microsoft.com/office/drawing/2014/main" id="{EEC26C82-7B09-64E2-3D03-4EBD33CB82F2}"/>
+                <a16:creationId xmlns:a16="http://schemas.microsoft.com/office/drawing/2014/main" id="{9CA45703-C608-3B69-4CA1-377A13F3DF28}"/>
               </a:ext>
             </a:extLst>
           </p:cNvPr>
@@ -2116,7 +2116,7 @@
           <a:bodyPr/>
           <a:lstStyle/>
           <a:p>
-            <a:fld id="{B772A885-BE7A-4D83-AE71-C38A6A391D57}" type="slidenum">
+            <a:fld id="{6D8FBB59-6C65-4CC3-A589-3F6DCB8E5C71}" type="slidenum">
               <a:rPr lang="zh-CN" altLang="en-US" smtClean="0"/>
               <a:t>‹#›</a:t>
             </a:fld>
@@ -2127,7 +2127,7 @@
     </p:spTree>
     <p:extLst>
       <p:ext uri="{BB962C8B-B14F-4D97-AF65-F5344CB8AC3E}">
-        <p14:creationId xmlns:p14="http://schemas.microsoft.com/office/powerpoint/2010/main" val="2324005654"/>
+        <p14:creationId xmlns:p14="http://schemas.microsoft.com/office/powerpoint/2010/main" val="1639351253"/>
       </p:ext>
     </p:extLst>
   </p:cSld>
@@ -2159,7 +2159,7 @@
           <p:cNvPr id="2" name="标题 1">
             <a:extLst>
               <a:ext uri="{FF2B5EF4-FFF2-40B4-BE49-F238E27FC236}">
-                <a16:creationId xmlns:a16="http://schemas.microsoft.com/office/drawing/2014/main" id="{0B4F9813-18E4-0013-F909-E501E741D4AA}"/>
+                <a16:creationId xmlns:a16="http://schemas.microsoft.com/office/drawing/2014/main" id="{5606CF31-A6AA-4D91-0195-F05CC22B4BED}"/>
               </a:ext>
             </a:extLst>
           </p:cNvPr>
@@ -2196,7 +2196,7 @@
           <p:cNvPr id="3" name="内容占位符 2">
             <a:extLst>
               <a:ext uri="{FF2B5EF4-FFF2-40B4-BE49-F238E27FC236}">
-                <a16:creationId xmlns:a16="http://schemas.microsoft.com/office/drawing/2014/main" id="{82CA1A0D-F250-C5EB-3B49-556E65FFB6FC}"/>
+                <a16:creationId xmlns:a16="http://schemas.microsoft.com/office/drawing/2014/main" id="{FAF82971-7854-D3FC-BD3E-E3DBE86EC2C1}"/>
               </a:ext>
             </a:extLst>
           </p:cNvPr>
@@ -2286,7 +2286,7 @@
           <p:cNvPr id="4" name="文本占位符 3">
             <a:extLst>
               <a:ext uri="{FF2B5EF4-FFF2-40B4-BE49-F238E27FC236}">
-                <a16:creationId xmlns:a16="http://schemas.microsoft.com/office/drawing/2014/main" id="{A3517D5B-3D02-039C-F8CD-DA462D3301DC}"/>
+                <a16:creationId xmlns:a16="http://schemas.microsoft.com/office/drawing/2014/main" id="{798AAA25-A2B3-B141-C104-5C19C6A76C7E}"/>
               </a:ext>
             </a:extLst>
           </p:cNvPr>
@@ -2357,7 +2357,7 @@
           <p:cNvPr id="5" name="日期占位符 4">
             <a:extLst>
               <a:ext uri="{FF2B5EF4-FFF2-40B4-BE49-F238E27FC236}">
-                <a16:creationId xmlns:a16="http://schemas.microsoft.com/office/drawing/2014/main" id="{06FB0C5B-E7E9-1B6E-024B-55427B229C3E}"/>
+                <a16:creationId xmlns:a16="http://schemas.microsoft.com/office/drawing/2014/main" id="{6B7CC9FB-C674-5F1A-A821-7238D77B7CF3}"/>
               </a:ext>
             </a:extLst>
           </p:cNvPr>
@@ -2373,7 +2373,7 @@
           <a:bodyPr/>
           <a:lstStyle/>
           <a:p>
-            <a:fld id="{7E72D278-FFE9-4D76-9F23-E385142DA26E}" type="datetimeFigureOut">
+            <a:fld id="{B055D1BE-0BC7-426C-9F9F-55682948617E}" type="datetimeFigureOut">
               <a:rPr lang="zh-CN" altLang="en-US" smtClean="0"/>
               <a:t>2024/3/10</a:t>
             </a:fld>
@@ -2386,7 +2386,7 @@
           <p:cNvPr id="6" name="页脚占位符 5">
             <a:extLst>
               <a:ext uri="{FF2B5EF4-FFF2-40B4-BE49-F238E27FC236}">
-                <a16:creationId xmlns:a16="http://schemas.microsoft.com/office/drawing/2014/main" id="{C5DFC01E-F6B3-A87A-3131-154586BFDA45}"/>
+                <a16:creationId xmlns:a16="http://schemas.microsoft.com/office/drawing/2014/main" id="{BFC86903-A80D-FC68-92AC-738D0426A1AC}"/>
               </a:ext>
             </a:extLst>
           </p:cNvPr>
@@ -2411,7 +2411,7 @@
           <p:cNvPr id="7" name="灯片编号占位符 6">
             <a:extLst>
               <a:ext uri="{FF2B5EF4-FFF2-40B4-BE49-F238E27FC236}">
-                <a16:creationId xmlns:a16="http://schemas.microsoft.com/office/drawing/2014/main" id="{96A27A83-E991-90B8-2FC6-673B69A41F25}"/>
+                <a16:creationId xmlns:a16="http://schemas.microsoft.com/office/drawing/2014/main" id="{03FBD3BC-1FF3-0E2A-235A-3EE9FD7A4E89}"/>
               </a:ext>
             </a:extLst>
           </p:cNvPr>
@@ -2427,7 +2427,7 @@
           <a:bodyPr/>
           <a:lstStyle/>
           <a:p>
-            <a:fld id="{B772A885-BE7A-4D83-AE71-C38A6A391D57}" type="slidenum">
+            <a:fld id="{6D8FBB59-6C65-4CC3-A589-3F6DCB8E5C71}" type="slidenum">
               <a:rPr lang="zh-CN" altLang="en-US" smtClean="0"/>
               <a:t>‹#›</a:t>
             </a:fld>
@@ -2438,7 +2438,7 @@
     </p:spTree>
     <p:extLst>
       <p:ext uri="{BB962C8B-B14F-4D97-AF65-F5344CB8AC3E}">
-        <p14:creationId xmlns:p14="http://schemas.microsoft.com/office/powerpoint/2010/main" val="4280544285"/>
+        <p14:creationId xmlns:p14="http://schemas.microsoft.com/office/powerpoint/2010/main" val="2013656637"/>
       </p:ext>
     </p:extLst>
   </p:cSld>
@@ -2470,7 +2470,7 @@
           <p:cNvPr id="2" name="标题 1">
             <a:extLst>
               <a:ext uri="{FF2B5EF4-FFF2-40B4-BE49-F238E27FC236}">
-                <a16:creationId xmlns:a16="http://schemas.microsoft.com/office/drawing/2014/main" id="{F7C11C27-848E-8E63-FB1B-8A27B3E44896}"/>
+                <a16:creationId xmlns:a16="http://schemas.microsoft.com/office/drawing/2014/main" id="{6E5F78FD-6C99-4618-A8F6-F5D3035F78AE}"/>
               </a:ext>
             </a:extLst>
           </p:cNvPr>
@@ -2507,7 +2507,7 @@
           <p:cNvPr id="3" name="图片占位符 2">
             <a:extLst>
               <a:ext uri="{FF2B5EF4-FFF2-40B4-BE49-F238E27FC236}">
-                <a16:creationId xmlns:a16="http://schemas.microsoft.com/office/drawing/2014/main" id="{A657BA18-3F24-2A4B-A9C3-634501A49D26}"/>
+                <a16:creationId xmlns:a16="http://schemas.microsoft.com/office/drawing/2014/main" id="{4BAFF641-F7CD-CE32-9EF2-B87A436B2458}"/>
               </a:ext>
             </a:extLst>
           </p:cNvPr>
@@ -2574,7 +2574,7 @@
           <p:cNvPr id="4" name="文本占位符 3">
             <a:extLst>
               <a:ext uri="{FF2B5EF4-FFF2-40B4-BE49-F238E27FC236}">
-                <a16:creationId xmlns:a16="http://schemas.microsoft.com/office/drawing/2014/main" id="{065A9FBE-01CE-6E1A-2025-0242E61AA1CB}"/>
+                <a16:creationId xmlns:a16="http://schemas.microsoft.com/office/drawing/2014/main" id="{D26F047E-0E5B-D7A2-B7CF-AE0B3555456A}"/>
               </a:ext>
             </a:extLst>
           </p:cNvPr>
@@ -2645,7 +2645,7 @@
           <p:cNvPr id="5" name="日期占位符 4">
             <a:extLst>
               <a:ext uri="{FF2B5EF4-FFF2-40B4-BE49-F238E27FC236}">
-                <a16:creationId xmlns:a16="http://schemas.microsoft.com/office/drawing/2014/main" id="{912D0A92-29E7-4878-D48F-03CDA936D311}"/>
+                <a16:creationId xmlns:a16="http://schemas.microsoft.com/office/drawing/2014/main" id="{49D69C3B-F27F-308C-F654-B2F4613BE81C}"/>
               </a:ext>
             </a:extLst>
           </p:cNvPr>
@@ -2661,7 +2661,7 @@
           <a:bodyPr/>
           <a:lstStyle/>
           <a:p>
-            <a:fld id="{7E72D278-FFE9-4D76-9F23-E385142DA26E}" type="datetimeFigureOut">
+            <a:fld id="{B055D1BE-0BC7-426C-9F9F-55682948617E}" type="datetimeFigureOut">
               <a:rPr lang="zh-CN" altLang="en-US" smtClean="0"/>
               <a:t>2024/3/10</a:t>
             </a:fld>
@@ -2674,7 +2674,7 @@
           <p:cNvPr id="6" name="页脚占位符 5">
             <a:extLst>
               <a:ext uri="{FF2B5EF4-FFF2-40B4-BE49-F238E27FC236}">
-                <a16:creationId xmlns:a16="http://schemas.microsoft.com/office/drawing/2014/main" id="{D4CF465D-D45D-C3D3-830D-992A9FD23A8D}"/>
+                <a16:creationId xmlns:a16="http://schemas.microsoft.com/office/drawing/2014/main" id="{D30B6154-8920-73EA-6A0A-E5B2B4137A54}"/>
               </a:ext>
             </a:extLst>
           </p:cNvPr>
@@ -2699,7 +2699,7 @@
           <p:cNvPr id="7" name="灯片编号占位符 6">
             <a:extLst>
               <a:ext uri="{FF2B5EF4-FFF2-40B4-BE49-F238E27FC236}">
-                <a16:creationId xmlns:a16="http://schemas.microsoft.com/office/drawing/2014/main" id="{0C449DC4-97EE-C851-795F-6A8116BDCE5A}"/>
+                <a16:creationId xmlns:a16="http://schemas.microsoft.com/office/drawing/2014/main" id="{9EFA3D9A-B6EA-664F-7A6A-773E10A88EE6}"/>
               </a:ext>
             </a:extLst>
           </p:cNvPr>
@@ -2715,7 +2715,7 @@
           <a:bodyPr/>
           <a:lstStyle/>
           <a:p>
-            <a:fld id="{B772A885-BE7A-4D83-AE71-C38A6A391D57}" type="slidenum">
+            <a:fld id="{6D8FBB59-6C65-4CC3-A589-3F6DCB8E5C71}" type="slidenum">
               <a:rPr lang="zh-CN" altLang="en-US" smtClean="0"/>
               <a:t>‹#›</a:t>
             </a:fld>
@@ -2726,7 +2726,7 @@
     </p:spTree>
     <p:extLst>
       <p:ext uri="{BB962C8B-B14F-4D97-AF65-F5344CB8AC3E}">
-        <p14:creationId xmlns:p14="http://schemas.microsoft.com/office/powerpoint/2010/main" val="892841103"/>
+        <p14:creationId xmlns:p14="http://schemas.microsoft.com/office/powerpoint/2010/main" val="2078138618"/>
       </p:ext>
     </p:extLst>
   </p:cSld>
@@ -2763,7 +2763,7 @@
           <p:cNvPr id="2" name="标题占位符 1">
             <a:extLst>
               <a:ext uri="{FF2B5EF4-FFF2-40B4-BE49-F238E27FC236}">
-                <a16:creationId xmlns:a16="http://schemas.microsoft.com/office/drawing/2014/main" id="{48A98B1A-6A04-2CB8-7ED0-69CD54FD340B}"/>
+                <a16:creationId xmlns:a16="http://schemas.microsoft.com/office/drawing/2014/main" id="{9002B504-AA32-2600-D7F2-F385FC366183}"/>
               </a:ext>
             </a:extLst>
           </p:cNvPr>
@@ -2801,7 +2801,7 @@
           <p:cNvPr id="3" name="文本占位符 2">
             <a:extLst>
               <a:ext uri="{FF2B5EF4-FFF2-40B4-BE49-F238E27FC236}">
-                <a16:creationId xmlns:a16="http://schemas.microsoft.com/office/drawing/2014/main" id="{90A10733-70C6-1B0B-7F31-AFB37EC520FB}"/>
+                <a16:creationId xmlns:a16="http://schemas.microsoft.com/office/drawing/2014/main" id="{33494407-BBA6-1C95-49E2-370E8785D442}"/>
               </a:ext>
             </a:extLst>
           </p:cNvPr>
@@ -2868,7 +2868,7 @@
           <p:cNvPr id="4" name="日期占位符 3">
             <a:extLst>
               <a:ext uri="{FF2B5EF4-FFF2-40B4-BE49-F238E27FC236}">
-                <a16:creationId xmlns:a16="http://schemas.microsoft.com/office/drawing/2014/main" id="{FFCC4AC6-7339-1373-7F87-F3FF3C44BFE4}"/>
+                <a16:creationId xmlns:a16="http://schemas.microsoft.com/office/drawing/2014/main" id="{76EDD2AC-2F00-4911-CF8D-A94D23D1A62A}"/>
               </a:ext>
             </a:extLst>
           </p:cNvPr>
@@ -2902,7 +2902,7 @@
             </a:lvl1pPr>
           </a:lstStyle>
           <a:p>
-            <a:fld id="{7E72D278-FFE9-4D76-9F23-E385142DA26E}" type="datetimeFigureOut">
+            <a:fld id="{B055D1BE-0BC7-426C-9F9F-55682948617E}" type="datetimeFigureOut">
               <a:rPr lang="zh-CN" altLang="en-US" smtClean="0"/>
               <a:t>2024/3/10</a:t>
             </a:fld>
@@ -2915,7 +2915,7 @@
           <p:cNvPr id="5" name="页脚占位符 4">
             <a:extLst>
               <a:ext uri="{FF2B5EF4-FFF2-40B4-BE49-F238E27FC236}">
-                <a16:creationId xmlns:a16="http://schemas.microsoft.com/office/drawing/2014/main" id="{E3684D6E-EF21-8C06-3984-8DF8D26E9CFB}"/>
+                <a16:creationId xmlns:a16="http://schemas.microsoft.com/office/drawing/2014/main" id="{2096A88B-5C71-355F-22D7-5A5B9CA0F58E}"/>
               </a:ext>
             </a:extLst>
           </p:cNvPr>
@@ -2958,7 +2958,7 @@
           <p:cNvPr id="6" name="灯片编号占位符 5">
             <a:extLst>
               <a:ext uri="{FF2B5EF4-FFF2-40B4-BE49-F238E27FC236}">
-                <a16:creationId xmlns:a16="http://schemas.microsoft.com/office/drawing/2014/main" id="{B75FA987-62B3-C6E9-9521-DE691586DC70}"/>
+                <a16:creationId xmlns:a16="http://schemas.microsoft.com/office/drawing/2014/main" id="{FB5C3181-7651-D0E1-7944-F07010E5BD96}"/>
               </a:ext>
             </a:extLst>
           </p:cNvPr>
@@ -2992,7 +2992,7 @@
             </a:lvl1pPr>
           </a:lstStyle>
           <a:p>
-            <a:fld id="{B772A885-BE7A-4D83-AE71-C38A6A391D57}" type="slidenum">
+            <a:fld id="{6D8FBB59-6C65-4CC3-A589-3F6DCB8E5C71}" type="slidenum">
               <a:rPr lang="zh-CN" altLang="en-US" smtClean="0"/>
               <a:t>‹#›</a:t>
             </a:fld>
@@ -3003,7 +3003,7 @@
     </p:spTree>
     <p:extLst>
       <p:ext uri="{BB962C8B-B14F-4D97-AF65-F5344CB8AC3E}">
-        <p14:creationId xmlns:p14="http://schemas.microsoft.com/office/powerpoint/2010/main" val="1604943281"/>
+        <p14:creationId xmlns:p14="http://schemas.microsoft.com/office/powerpoint/2010/main" val="1981389714"/>
       </p:ext>
     </p:extLst>
   </p:cSld>
@@ -3323,7 +3323,7 @@
       </p:grpSpPr>
       <p:pic>
         <p:nvPicPr>
-          <p:cNvPr id="1440770" name="Picture 2" descr="1406"/>
+          <p:cNvPr id="1441794" name="Picture 2" descr="1407"/>
           <p:cNvPicPr>
             <a:picLocks noChangeAspect="1" noChangeArrowheads="1"/>
           </p:cNvPicPr>
@@ -3344,8 +3344,8 @@
         </p:blipFill>
         <p:spPr bwMode="auto">
           <a:xfrm>
-            <a:off x="1524000" y="0"/>
-            <a:ext cx="9144000" cy="5949950"/>
+            <a:off x="1524000" y="1"/>
+            <a:ext cx="9124950" cy="6022975"/>
           </a:xfrm>
           <a:prstGeom prst="rect">
             <a:avLst/>
